--- a/figs/db-si.pptx
+++ b/figs/db-si.pptx
@@ -104,6 +104,11 @@
       </a:defRPr>
     </a:lvl9pPr>
   </p:defaultTextStyle>
+  <p:extLst>
+    <p:ext uri="{EFAFB233-063F-42B5-8137-9DF3F51BA10A}">
+      <p15:sldGuideLst xmlns:p15="http://schemas.microsoft.com/office/powerpoint/2012/main"/>
+    </p:ext>
+  </p:extLst>
 </p:presentation>
 </file>
 
@@ -3335,48 +3340,12 @@
         </p:nvGrpSpPr>
         <p:grpSpPr>
           <a:xfrm>
-            <a:off x="1394078" y="135103"/>
-            <a:ext cx="9403844" cy="6600977"/>
+            <a:off x="1698184" y="668503"/>
+            <a:ext cx="8795632" cy="5354583"/>
             <a:chOff x="1268189" y="715533"/>
-            <a:chExt cx="9403844" cy="6600977"/>
+            <a:chExt cx="8795632" cy="5354583"/>
           </a:xfrm>
         </p:grpSpPr>
-        <p:pic>
-          <p:nvPicPr>
-            <p:cNvPr id="5" name="图片 4">
-              <a:extLst>
-                <a:ext uri="{FF2B5EF4-FFF2-40B4-BE49-F238E27FC236}">
-                  <a16:creationId xmlns:a16="http://schemas.microsoft.com/office/drawing/2014/main" id="{1E4075A1-AF92-1234-61CC-8805AE118AAF}"/>
-                </a:ext>
-              </a:extLst>
-            </p:cNvPr>
-            <p:cNvPicPr>
-              <a:picLocks noChangeAspect="1"/>
-            </p:cNvPicPr>
-            <p:nvPr/>
-          </p:nvPicPr>
-          <p:blipFill>
-            <a:blip r:embed="rId2">
-              <a:extLst>
-                <a:ext uri="{28A0092B-C50C-407E-A947-70E740481C1C}">
-                  <a14:useLocalDpi xmlns:a14="http://schemas.microsoft.com/office/drawing/2010/main" val="0"/>
-                </a:ext>
-              </a:extLst>
-            </a:blip>
-            <a:stretch>
-              <a:fillRect/>
-            </a:stretch>
-          </p:blipFill>
-          <p:spPr>
-            <a:xfrm>
-              <a:off x="6618305" y="6256058"/>
-              <a:ext cx="4053728" cy="840407"/>
-            </a:xfrm>
-            <a:prstGeom prst="rect">
-              <a:avLst/>
-            </a:prstGeom>
-          </p:spPr>
-        </p:pic>
         <p:pic>
           <p:nvPicPr>
             <p:cNvPr id="7" name="图片 6">
@@ -3392,7 +3361,7 @@
             <p:nvPr/>
           </p:nvPicPr>
           <p:blipFill>
-            <a:blip r:embed="rId3">
+            <a:blip r:embed="rId2">
               <a:extLst>
                 <a:ext uri="{28A0092B-C50C-407E-A947-70E740481C1C}">
                   <a14:useLocalDpi xmlns:a14="http://schemas.microsoft.com/office/drawing/2010/main" val="0"/>
@@ -3428,7 +3397,7 @@
             <p:nvPr/>
           </p:nvPicPr>
           <p:blipFill>
-            <a:blip r:embed="rId4">
+            <a:blip r:embed="rId3">
               <a:extLst>
                 <a:ext uri="{28A0092B-C50C-407E-A947-70E740481C1C}">
                   <a14:useLocalDpi xmlns:a14="http://schemas.microsoft.com/office/drawing/2010/main" val="0"/>
@@ -3451,78 +3420,6 @@
         </p:pic>
         <p:pic>
           <p:nvPicPr>
-            <p:cNvPr id="11" name="图片 10">
-              <a:extLst>
-                <a:ext uri="{FF2B5EF4-FFF2-40B4-BE49-F238E27FC236}">
-                  <a16:creationId xmlns:a16="http://schemas.microsoft.com/office/drawing/2014/main" id="{1A587D73-B6E4-FF79-5F26-A1387E9AC59F}"/>
-                </a:ext>
-              </a:extLst>
-            </p:cNvPr>
-            <p:cNvPicPr>
-              <a:picLocks noChangeAspect="1"/>
-            </p:cNvPicPr>
-            <p:nvPr/>
-          </p:nvPicPr>
-          <p:blipFill>
-            <a:blip r:embed="rId5">
-              <a:extLst>
-                <a:ext uri="{28A0092B-C50C-407E-A947-70E740481C1C}">
-                  <a14:useLocalDpi xmlns:a14="http://schemas.microsoft.com/office/drawing/2010/main" val="0"/>
-                </a:ext>
-              </a:extLst>
-            </a:blip>
-            <a:stretch>
-              <a:fillRect/>
-            </a:stretch>
-          </p:blipFill>
-          <p:spPr>
-            <a:xfrm>
-              <a:off x="4933448" y="6036014"/>
-              <a:ext cx="1280496" cy="1280496"/>
-            </a:xfrm>
-            <a:prstGeom prst="rect">
-              <a:avLst/>
-            </a:prstGeom>
-          </p:spPr>
-        </p:pic>
-        <p:pic>
-          <p:nvPicPr>
-            <p:cNvPr id="13" name="图片 12">
-              <a:extLst>
-                <a:ext uri="{FF2B5EF4-FFF2-40B4-BE49-F238E27FC236}">
-                  <a16:creationId xmlns:a16="http://schemas.microsoft.com/office/drawing/2014/main" id="{BFC51608-3759-4D45-3D2A-015E42326D35}"/>
-                </a:ext>
-              </a:extLst>
-            </p:cNvPr>
-            <p:cNvPicPr>
-              <a:picLocks noChangeAspect="1"/>
-            </p:cNvPicPr>
-            <p:nvPr/>
-          </p:nvPicPr>
-          <p:blipFill>
-            <a:blip r:embed="rId6">
-              <a:extLst>
-                <a:ext uri="{28A0092B-C50C-407E-A947-70E740481C1C}">
-                  <a14:useLocalDpi xmlns:a14="http://schemas.microsoft.com/office/drawing/2010/main" val="0"/>
-                </a:ext>
-              </a:extLst>
-            </a:blip>
-            <a:stretch>
-              <a:fillRect/>
-            </a:stretch>
-          </p:blipFill>
-          <p:spPr>
-            <a:xfrm>
-              <a:off x="1322387" y="6070116"/>
-              <a:ext cx="2964437" cy="1005927"/>
-            </a:xfrm>
-            <a:prstGeom prst="rect">
-              <a:avLst/>
-            </a:prstGeom>
-          </p:spPr>
-        </p:pic>
-        <p:pic>
-          <p:nvPicPr>
             <p:cNvPr id="15" name="图片 14">
               <a:extLst>
                 <a:ext uri="{FF2B5EF4-FFF2-40B4-BE49-F238E27FC236}">
@@ -3536,7 +3433,7 @@
             <p:nvPr/>
           </p:nvPicPr>
           <p:blipFill>
-            <a:blip r:embed="rId7">
+            <a:blip r:embed="rId4">
               <a:extLst>
                 <a:ext uri="{28A0092B-C50C-407E-A947-70E740481C1C}">
                   <a14:useLocalDpi xmlns:a14="http://schemas.microsoft.com/office/drawing/2010/main" val="0"/>
@@ -3572,7 +3469,7 @@
             <p:nvPr/>
           </p:nvPicPr>
           <p:blipFill>
-            <a:blip r:embed="rId8">
+            <a:blip r:embed="rId5">
               <a:extLst>
                 <a:ext uri="{28A0092B-C50C-407E-A947-70E740481C1C}">
                   <a14:useLocalDpi xmlns:a14="http://schemas.microsoft.com/office/drawing/2010/main" val="0"/>
@@ -3608,7 +3505,7 @@
             <p:nvPr/>
           </p:nvPicPr>
           <p:blipFill>
-            <a:blip r:embed="rId9">
+            <a:blip r:embed="rId6">
               <a:extLst>
                 <a:ext uri="{28A0092B-C50C-407E-A947-70E740481C1C}">
                   <a14:useLocalDpi xmlns:a14="http://schemas.microsoft.com/office/drawing/2010/main" val="0"/>
@@ -3644,7 +3541,7 @@
             <p:nvPr/>
           </p:nvPicPr>
           <p:blipFill>
-            <a:blip r:embed="rId10">
+            <a:blip r:embed="rId7">
               <a:extLst>
                 <a:ext uri="{28A0092B-C50C-407E-A947-70E740481C1C}">
                   <a14:useLocalDpi xmlns:a14="http://schemas.microsoft.com/office/drawing/2010/main" val="0"/>
@@ -3680,7 +3577,7 @@
             <p:nvPr/>
           </p:nvPicPr>
           <p:blipFill>
-            <a:blip r:embed="rId11">
+            <a:blip r:embed="rId8">
               <a:extLst>
                 <a:ext uri="{28A0092B-C50C-407E-A947-70E740481C1C}">
                   <a14:useLocalDpi xmlns:a14="http://schemas.microsoft.com/office/drawing/2010/main" val="0"/>
@@ -3716,7 +3613,7 @@
             <p:nvPr/>
           </p:nvPicPr>
           <p:blipFill>
-            <a:blip r:embed="rId12">
+            <a:blip r:embed="rId9">
               <a:extLst>
                 <a:ext uri="{28A0092B-C50C-407E-A947-70E740481C1C}">
                   <a14:useLocalDpi xmlns:a14="http://schemas.microsoft.com/office/drawing/2010/main" val="0"/>
@@ -3752,7 +3649,7 @@
             <p:nvPr/>
           </p:nvPicPr>
           <p:blipFill>
-            <a:blip r:embed="rId13">
+            <a:blip r:embed="rId10">
               <a:extLst>
                 <a:ext uri="{28A0092B-C50C-407E-A947-70E740481C1C}">
                   <a14:useLocalDpi xmlns:a14="http://schemas.microsoft.com/office/drawing/2010/main" val="0"/>
@@ -3788,7 +3685,7 @@
             <p:nvPr/>
           </p:nvPicPr>
           <p:blipFill>
-            <a:blip r:embed="rId14">
+            <a:blip r:embed="rId11">
               <a:extLst>
                 <a:ext uri="{28A0092B-C50C-407E-A947-70E740481C1C}">
                   <a14:useLocalDpi xmlns:a14="http://schemas.microsoft.com/office/drawing/2010/main" val="0"/>
@@ -3824,7 +3721,7 @@
             <p:nvPr/>
           </p:nvPicPr>
           <p:blipFill>
-            <a:blip r:embed="rId15">
+            <a:blip r:embed="rId12">
               <a:extLst>
                 <a:ext uri="{28A0092B-C50C-407E-A947-70E740481C1C}">
                   <a14:useLocalDpi xmlns:a14="http://schemas.microsoft.com/office/drawing/2010/main" val="0"/>
@@ -3860,7 +3757,7 @@
             <p:nvPr/>
           </p:nvPicPr>
           <p:blipFill>
-            <a:blip r:embed="rId16">
+            <a:blip r:embed="rId13">
               <a:extLst>
                 <a:ext uri="{28A0092B-C50C-407E-A947-70E740481C1C}">
                   <a14:useLocalDpi xmlns:a14="http://schemas.microsoft.com/office/drawing/2010/main" val="0"/>
